--- a/Sikkerhetsklassifisering.pptx
+++ b/Sikkerhetsklassifisering.pptx
@@ -113,6 +113,35 @@
     </p:ext>
   </p:extLst>
 </p:presentation>
+</file>
+
+<file path=ppt/changesInfos/changesInfo1.xml><?xml version="1.0" encoding="utf-8"?>
+<pc:chgInfo xmlns:a="http://schemas.openxmlformats.org/drawingml/2006/main" xmlns:r="http://schemas.openxmlformats.org/officeDocument/2006/relationships" xmlns:ac="http://schemas.microsoft.com/office/drawing/2013/main/command" xmlns:pc="http://schemas.microsoft.com/office/powerpoint/2013/main/command">
+  <pc:docChgLst>
+    <pc:chgData name="Løvmo, Leif Tore" userId="ed3d9d92-1086-4ea5-b358-1acf8a94f62c" providerId="ADAL" clId="{F22E8FB5-3B91-4E81-ABC8-A33A550D6662}"/>
+    <pc:docChg chg="modSld">
+      <pc:chgData name="Løvmo, Leif Tore" userId="ed3d9d92-1086-4ea5-b358-1acf8a94f62c" providerId="ADAL" clId="{F22E8FB5-3B91-4E81-ABC8-A33A550D6662}" dt="2018-11-19T07:54:08.363" v="24" actId="14100"/>
+      <pc:docMkLst>
+        <pc:docMk/>
+      </pc:docMkLst>
+      <pc:sldChg chg="modSp">
+        <pc:chgData name="Løvmo, Leif Tore" userId="ed3d9d92-1086-4ea5-b358-1acf8a94f62c" providerId="ADAL" clId="{F22E8FB5-3B91-4E81-ABC8-A33A550D6662}" dt="2018-11-19T07:54:08.363" v="24" actId="14100"/>
+        <pc:sldMkLst>
+          <pc:docMk/>
+          <pc:sldMk cId="2887803585" sldId="257"/>
+        </pc:sldMkLst>
+        <pc:spChg chg="mod">
+          <ac:chgData name="Løvmo, Leif Tore" userId="ed3d9d92-1086-4ea5-b358-1acf8a94f62c" providerId="ADAL" clId="{F22E8FB5-3B91-4E81-ABC8-A33A550D6662}" dt="2018-11-19T07:54:08.363" v="24" actId="14100"/>
+          <ac:spMkLst>
+            <pc:docMk/>
+            <pc:sldMk cId="2887803585" sldId="257"/>
+            <ac:spMk id="4" creationId="{20D1CE57-B5F9-4CCD-B53B-9937A5AFEDCB}"/>
+          </ac:spMkLst>
+        </pc:spChg>
+      </pc:sldChg>
+    </pc:docChg>
+  </pc:docChgLst>
+</pc:chgInfo>
 </file>
 
 <file path=ppt/notesMasters/notesMaster1.xml><?xml version="1.0" encoding="utf-8"?>
@@ -7036,8 +7065,8 @@
         </p:nvSpPr>
         <p:spPr>
           <a:xfrm>
-            <a:off x="417250" y="7608163"/>
-            <a:ext cx="3212815" cy="1358284"/>
+            <a:off x="417251" y="7505516"/>
+            <a:ext cx="3613212" cy="1680081"/>
           </a:xfrm>
           <a:prstGeom prst="rect">
             <a:avLst/>
@@ -7084,6 +7113,29 @@
               </a:rPr>
               <a:t>NAV IT-avdelingen arkitektur</a:t>
             </a:r>
+          </a:p>
+          <a:p>
+            <a:r>
+              <a:rPr lang="nb-NO" sz="1400" dirty="0">
+                <a:solidFill>
+                  <a:schemeClr val="tx1"/>
+                </a:solidFill>
+                <a:hlinkClick r:id="rId14"/>
+              </a:rPr>
+              <a:t>https://github.com/navikt/Sikkerhetsprosess</a:t>
+            </a:r>
+            <a:endParaRPr lang="nb-NO" sz="1400" dirty="0">
+              <a:solidFill>
+                <a:schemeClr val="tx1"/>
+              </a:solidFill>
+            </a:endParaRPr>
+          </a:p>
+          <a:p>
+            <a:endParaRPr lang="nb-NO" sz="1400" dirty="0">
+              <a:solidFill>
+                <a:schemeClr val="tx1"/>
+              </a:solidFill>
+            </a:endParaRPr>
           </a:p>
           <a:p>
             <a:endParaRPr lang="nb-NO" sz="1400" dirty="0">
@@ -7684,12 +7736,17 @@
 </file>
 
 <file path=customXml/item1.xml><?xml version="1.0" encoding="utf-8"?>
-<?mso-contentType ?>
-<FormTemplates xmlns="http://schemas.microsoft.com/sharepoint/v3/contenttype/forms">
-  <Display>DocumentLibraryForm</Display>
-  <Edit>DocumentLibraryForm</Edit>
-  <New>DocumentLibraryForm</New>
-</FormTemplates>
+<p:properties xmlns:p="http://schemas.microsoft.com/office/2006/metadata/properties" xmlns:xsi="http://www.w3.org/2001/XMLSchema-instance" xmlns:pc="http://schemas.microsoft.com/office/infopath/2007/PartnerControls">
+  <documentManagement>
+    <SharedWithUsers xmlns="70b97532-3800-410f-bb8c-11b1637c40eb">
+      <UserInfo>
+        <DisplayName>Hafskjold, Petter</DisplayName>
+        <AccountId>14</AccountId>
+        <AccountType/>
+      </UserInfo>
+    </SharedWithUsers>
+  </documentManagement>
+</p:properties>
 </file>
 
 <file path=customXml/item2.xml><?xml version="1.0" encoding="utf-8"?>
@@ -7872,23 +7929,27 @@
 </file>
 
 <file path=customXml/item3.xml><?xml version="1.0" encoding="utf-8"?>
-<p:properties xmlns:p="http://schemas.microsoft.com/office/2006/metadata/properties" xmlns:xsi="http://www.w3.org/2001/XMLSchema-instance" xmlns:pc="http://schemas.microsoft.com/office/infopath/2007/PartnerControls">
-  <documentManagement>
-    <SharedWithUsers xmlns="70b97532-3800-410f-bb8c-11b1637c40eb">
-      <UserInfo>
-        <DisplayName>Hafskjold, Petter</DisplayName>
-        <AccountId>14</AccountId>
-        <AccountType/>
-      </UserInfo>
-    </SharedWithUsers>
-  </documentManagement>
-</p:properties>
+<?mso-contentType ?>
+<FormTemplates xmlns="http://schemas.microsoft.com/sharepoint/v3/contenttype/forms">
+  <Display>DocumentLibraryForm</Display>
+  <Edit>DocumentLibraryForm</Edit>
+  <New>DocumentLibraryForm</New>
+</FormTemplates>
 </file>
 
 <file path=customXml/itemProps1.xml><?xml version="1.0" encoding="utf-8"?>
-<ds:datastoreItem xmlns:ds="http://schemas.openxmlformats.org/officeDocument/2006/customXml" ds:itemID="{F6AA774E-B8D8-499E-8D74-FD8CA5C1257F}">
+<ds:datastoreItem xmlns:ds="http://schemas.openxmlformats.org/officeDocument/2006/customXml" ds:itemID="{27A33DA6-4930-4725-B390-577D3A881625}">
   <ds:schemaRefs>
-    <ds:schemaRef ds:uri="http://schemas.microsoft.com/sharepoint/v3/contenttype/forms"/>
+    <ds:schemaRef ds:uri="http://schemas.microsoft.com/office/infopath/2007/PartnerControls"/>
+    <ds:schemaRef ds:uri="http://purl.org/dc/elements/1.1/"/>
+    <ds:schemaRef ds:uri="http://schemas.microsoft.com/office/2006/metadata/properties"/>
+    <ds:schemaRef ds:uri="http://schemas.microsoft.com/office/2006/documentManagement/types"/>
+    <ds:schemaRef ds:uri="http://purl.org/dc/terms/"/>
+    <ds:schemaRef ds:uri="http://schemas.openxmlformats.org/package/2006/metadata/core-properties"/>
+    <ds:schemaRef ds:uri="http://purl.org/dc/dcmitype/"/>
+    <ds:schemaRef ds:uri="70b97532-3800-410f-bb8c-11b1637c40eb"/>
+    <ds:schemaRef ds:uri="6609b14e-dd82-46ca-b719-36bf76e18a49"/>
+    <ds:schemaRef ds:uri="http://www.w3.org/XML/1998/namespace"/>
   </ds:schemaRefs>
 </ds:datastoreItem>
 </file>
@@ -7913,18 +7974,9 @@
 </file>
 
 <file path=customXml/itemProps3.xml><?xml version="1.0" encoding="utf-8"?>
-<ds:datastoreItem xmlns:ds="http://schemas.openxmlformats.org/officeDocument/2006/customXml" ds:itemID="{27A33DA6-4930-4725-B390-577D3A881625}">
+<ds:datastoreItem xmlns:ds="http://schemas.openxmlformats.org/officeDocument/2006/customXml" ds:itemID="{F6AA774E-B8D8-499E-8D74-FD8CA5C1257F}">
   <ds:schemaRefs>
-    <ds:schemaRef ds:uri="http://purl.org/dc/elements/1.1/"/>
-    <ds:schemaRef ds:uri="http://schemas.microsoft.com/office/2006/metadata/properties"/>
-    <ds:schemaRef ds:uri="6609b14e-dd82-46ca-b719-36bf76e18a49"/>
-    <ds:schemaRef ds:uri="http://purl.org/dc/terms/"/>
-    <ds:schemaRef ds:uri="http://schemas.openxmlformats.org/package/2006/metadata/core-properties"/>
-    <ds:schemaRef ds:uri="http://schemas.microsoft.com/office/2006/documentManagement/types"/>
-    <ds:schemaRef ds:uri="http://purl.org/dc/dcmitype/"/>
-    <ds:schemaRef ds:uri="http://schemas.microsoft.com/office/infopath/2007/PartnerControls"/>
-    <ds:schemaRef ds:uri="70b97532-3800-410f-bb8c-11b1637c40eb"/>
-    <ds:schemaRef ds:uri="http://www.w3.org/XML/1998/namespace"/>
+    <ds:schemaRef ds:uri="http://schemas.microsoft.com/sharepoint/v3/contenttype/forms"/>
   </ds:schemaRefs>
 </ds:datastoreItem>
 </file>